--- a/プログラム問題/プログラム実装問題_テンプレ.pptx
+++ b/プログラム問題/プログラム実装問題_テンプレ.pptx
@@ -225,7 +225,7 @@
           <a:p>
             <a:fld id="{3FCCBFB4-DFB5-D147-96C7-1A138513DC99}" type="datetimeFigureOut">
               <a:rPr kumimoji="1" lang="ja-JP" altLang="en-US" smtClean="0"/>
-              <a:t>2022/11/9</a:t>
+              <a:t>2023/2/4</a:t>
             </a:fld>
             <a:endParaRPr kumimoji="1" lang="ja-JP" altLang="en-US"/>
           </a:p>
@@ -634,7 +634,7 @@
           <a:p>
             <a:fld id="{0E1AFFBC-72C7-6342-91C9-5058E67245FA}" type="datetime1">
               <a:rPr kumimoji="1" lang="ja-JP" altLang="en-US" smtClean="0"/>
-              <a:t>2022/11/9</a:t>
+              <a:t>2023/2/4</a:t>
             </a:fld>
             <a:endParaRPr kumimoji="1" lang="ja-JP" altLang="en-US"/>
           </a:p>
@@ -748,7 +748,7 @@
             <a:avLst/>
           </a:prstGeom>
           <a:solidFill>
-            <a:srgbClr val="90ECC6"/>
+            <a:srgbClr val="00CDAF"/>
           </a:solidFill>
           <a:ln>
             <a:noFill/>
@@ -949,7 +949,7 @@
           <a:p>
             <a:fld id="{67CEFD8D-F31C-A14E-871B-246CC3DDD766}" type="datetime1">
               <a:rPr kumimoji="1" lang="ja-JP" altLang="en-US" smtClean="0"/>
-              <a:t>2022/11/9</a:t>
+              <a:t>2023/2/4</a:t>
             </a:fld>
             <a:endParaRPr kumimoji="1" lang="ja-JP" altLang="en-US"/>
           </a:p>
@@ -1189,7 +1189,7 @@
           <a:p>
             <a:fld id="{676CB9A4-DA05-7246-8E7F-2486E873B0B4}" type="datetime1">
               <a:rPr kumimoji="1" lang="ja-JP" altLang="en-US" smtClean="0"/>
-              <a:t>2022/11/9</a:t>
+              <a:t>2023/2/4</a:t>
             </a:fld>
             <a:endParaRPr kumimoji="1" lang="ja-JP" altLang="en-US"/>
           </a:p>
@@ -1429,7 +1429,7 @@
           <a:p>
             <a:fld id="{7A4EC886-C738-4F4E-BEB9-CDC76A4DF400}" type="datetime1">
               <a:rPr kumimoji="1" lang="ja-JP" altLang="en-US" smtClean="0"/>
-              <a:t>2022/11/9</a:t>
+              <a:t>2023/2/4</a:t>
             </a:fld>
             <a:endParaRPr kumimoji="1" lang="ja-JP" altLang="en-US"/>
           </a:p>
@@ -1756,7 +1756,7 @@
           <a:p>
             <a:fld id="{6F40AC47-0861-4043-9704-5C1065CFAFE2}" type="datetime1">
               <a:rPr kumimoji="1" lang="ja-JP" altLang="en-US" smtClean="0"/>
-              <a:t>2022/11/9</a:t>
+              <a:t>2023/2/4</a:t>
             </a:fld>
             <a:endParaRPr kumimoji="1" lang="ja-JP" altLang="en-US"/>
           </a:p>
@@ -2109,7 +2109,7 @@
           <a:p>
             <a:fld id="{5AE29C74-9877-044B-B427-A2C6B7AEB44B}" type="datetime1">
               <a:rPr kumimoji="1" lang="ja-JP" altLang="en-US" smtClean="0"/>
-              <a:t>2022/11/9</a:t>
+              <a:t>2023/2/4</a:t>
             </a:fld>
             <a:endParaRPr kumimoji="1" lang="ja-JP" altLang="en-US"/>
           </a:p>
@@ -2691,7 +2691,7 @@
           <a:p>
             <a:fld id="{D740C151-44B3-8B43-AE75-19B907FC2FB4}" type="datetime1">
               <a:rPr kumimoji="1" lang="ja-JP" altLang="en-US" smtClean="0"/>
-              <a:t>2022/11/9</a:t>
+              <a:t>2023/2/4</a:t>
             </a:fld>
             <a:endParaRPr kumimoji="1" lang="ja-JP" altLang="en-US"/>
           </a:p>
@@ -2832,7 +2832,7 @@
           <a:p>
             <a:fld id="{E062104C-2005-D246-9C99-F6F33C3A45D3}" type="datetime1">
               <a:rPr kumimoji="1" lang="ja-JP" altLang="en-US" smtClean="0"/>
-              <a:t>2022/11/9</a:t>
+              <a:t>2023/2/4</a:t>
             </a:fld>
             <a:endParaRPr kumimoji="1" lang="ja-JP" altLang="en-US"/>
           </a:p>
@@ -2945,7 +2945,7 @@
           <a:p>
             <a:fld id="{A60AA83E-38DA-A941-B2B6-45ADB3553483}" type="datetime1">
               <a:rPr kumimoji="1" lang="ja-JP" altLang="en-US" smtClean="0"/>
-              <a:t>2022/11/9</a:t>
+              <a:t>2023/2/4</a:t>
             </a:fld>
             <a:endParaRPr kumimoji="1" lang="ja-JP" altLang="en-US"/>
           </a:p>
@@ -3288,7 +3288,7 @@
           <a:p>
             <a:fld id="{4CFF9E90-FBD2-284D-9F29-DCA32E634455}" type="datetime1">
               <a:rPr kumimoji="1" lang="ja-JP" altLang="en-US" smtClean="0"/>
-              <a:t>2022/11/9</a:t>
+              <a:t>2023/2/4</a:t>
             </a:fld>
             <a:endParaRPr kumimoji="1" lang="ja-JP" altLang="en-US"/>
           </a:p>
@@ -3576,7 +3576,7 @@
           <a:p>
             <a:fld id="{AE49DD36-2E92-5343-9757-8BE5E786BF65}" type="datetime1">
               <a:rPr kumimoji="1" lang="ja-JP" altLang="en-US" smtClean="0"/>
-              <a:t>2022/11/9</a:t>
+              <a:t>2023/2/4</a:t>
             </a:fld>
             <a:endParaRPr kumimoji="1" lang="ja-JP" altLang="en-US"/>
           </a:p>
@@ -3849,7 +3849,7 @@
           <a:p>
             <a:fld id="{C77DF9D3-6C03-CF4D-B406-5865A731B699}" type="datetime1">
               <a:rPr kumimoji="1" lang="ja-JP" altLang="en-US" smtClean="0"/>
-              <a:t>2022/11/9</a:t>
+              <a:t>2023/2/4</a:t>
             </a:fld>
             <a:endParaRPr kumimoji="1" lang="ja-JP" altLang="en-US"/>
           </a:p>
@@ -3968,7 +3968,9 @@
             </a:avLst>
           </a:prstGeom>
           <a:solidFill>
-            <a:srgbClr val="B6E2CB"/>
+            <a:srgbClr val="00CDAF">
+              <a:alpha val="40000"/>
+            </a:srgbClr>
           </a:solidFill>
           <a:ln>
             <a:noFill/>
@@ -4573,8 +4575,8 @@
           </a:p>
         </p:txBody>
       </p:sp>
-      <mc:AlternateContent xmlns:mc="http://schemas.openxmlformats.org/markup-compatibility/2006">
-        <mc:Choice xmlns:a14="http://schemas.microsoft.com/office/drawing/2010/main" Requires="a14">
+      <mc:AlternateContent xmlns:mc="http://schemas.openxmlformats.org/markup-compatibility/2006" xmlns:a14="http://schemas.microsoft.com/office/drawing/2010/main">
+        <mc:Choice Requires="a14">
           <p:sp>
             <p:nvSpPr>
               <p:cNvPr id="3" name="コンテンツ プレースホルダー 2">
@@ -4650,7 +4652,7 @@
             </p:txBody>
           </p:sp>
         </mc:Choice>
-        <mc:Fallback>
+        <mc:Fallback xmlns="">
           <p:sp>
             <p:nvSpPr>
               <p:cNvPr id="3" name="コンテンツ プレースホルダー 2">
@@ -5082,8 +5084,8 @@
           </a:p>
         </p:txBody>
       </p:sp>
-      <mc:AlternateContent xmlns:mc="http://schemas.openxmlformats.org/markup-compatibility/2006">
-        <mc:Choice xmlns:a14="http://schemas.microsoft.com/office/drawing/2010/main" Requires="a14">
+      <mc:AlternateContent xmlns:mc="http://schemas.openxmlformats.org/markup-compatibility/2006" xmlns:a14="http://schemas.microsoft.com/office/drawing/2010/main">
+        <mc:Choice Requires="a14">
           <p:sp>
             <p:nvSpPr>
               <p:cNvPr id="3" name="コンテンツ プレースホルダー 2">
@@ -5159,7 +5161,7 @@
             </p:txBody>
           </p:sp>
         </mc:Choice>
-        <mc:Fallback>
+        <mc:Fallback xmlns="">
           <p:sp>
             <p:nvSpPr>
               <p:cNvPr id="3" name="コンテンツ プレースホルダー 2">
@@ -5723,8 +5725,8 @@
           </a:p>
         </p:txBody>
       </p:sp>
-      <mc:AlternateContent xmlns:mc="http://schemas.openxmlformats.org/markup-compatibility/2006">
-        <mc:Choice xmlns:a14="http://schemas.microsoft.com/office/drawing/2010/main" Requires="a14">
+      <mc:AlternateContent xmlns:mc="http://schemas.openxmlformats.org/markup-compatibility/2006" xmlns:a14="http://schemas.microsoft.com/office/drawing/2010/main">
+        <mc:Choice Requires="a14">
           <p:sp>
             <p:nvSpPr>
               <p:cNvPr id="3" name="コンテンツ プレースホルダー 2">
@@ -5795,7 +5797,7 @@
             </p:txBody>
           </p:sp>
         </mc:Choice>
-        <mc:Fallback>
+        <mc:Fallback xmlns="">
           <p:sp>
             <p:nvSpPr>
               <p:cNvPr id="3" name="コンテンツ プレースホルダー 2">
@@ -5864,8 +5866,8 @@
           </a:p>
         </p:txBody>
       </p:sp>
-      <mc:AlternateContent xmlns:mc="http://schemas.openxmlformats.org/markup-compatibility/2006">
-        <mc:Choice xmlns:a14="http://schemas.microsoft.com/office/drawing/2010/main" Requires="a14">
+      <mc:AlternateContent xmlns:mc="http://schemas.openxmlformats.org/markup-compatibility/2006" xmlns:a14="http://schemas.microsoft.com/office/drawing/2010/main">
+        <mc:Choice Requires="a14">
           <p:graphicFrame>
             <p:nvGraphicFramePr>
               <p:cNvPr id="5" name="表 5">
@@ -5962,7 +5964,7 @@
             </a:graphic>
           </p:graphicFrame>
         </mc:Choice>
-        <mc:Fallback>
+        <mc:Fallback xmlns="">
           <p:graphicFrame>
             <p:nvGraphicFramePr>
               <p:cNvPr id="5" name="表 5">
@@ -6205,8 +6207,8 @@
           </a:p>
         </p:txBody>
       </p:sp>
-      <mc:AlternateContent xmlns:mc="http://schemas.openxmlformats.org/markup-compatibility/2006">
-        <mc:Choice xmlns:a14="http://schemas.microsoft.com/office/drawing/2010/main" Requires="a14">
+      <mc:AlternateContent xmlns:mc="http://schemas.openxmlformats.org/markup-compatibility/2006" xmlns:a14="http://schemas.microsoft.com/office/drawing/2010/main">
+        <mc:Choice Requires="a14">
           <p:graphicFrame>
             <p:nvGraphicFramePr>
               <p:cNvPr id="5" name="表 5">
@@ -6284,7 +6286,7 @@
             </a:graphic>
           </p:graphicFrame>
         </mc:Choice>
-        <mc:Fallback>
+        <mc:Fallback xmlns="">
           <p:graphicFrame>
             <p:nvGraphicFramePr>
               <p:cNvPr id="5" name="表 5">
@@ -6354,8 +6356,8 @@
           </p:graphicFrame>
         </mc:Fallback>
       </mc:AlternateContent>
-      <mc:AlternateContent xmlns:mc="http://schemas.openxmlformats.org/markup-compatibility/2006">
-        <mc:Choice xmlns:a14="http://schemas.microsoft.com/office/drawing/2010/main" Requires="a14">
+      <mc:AlternateContent xmlns:mc="http://schemas.openxmlformats.org/markup-compatibility/2006" xmlns:a14="http://schemas.microsoft.com/office/drawing/2010/main">
+        <mc:Choice Requires="a14">
           <p:graphicFrame>
             <p:nvGraphicFramePr>
               <p:cNvPr id="6" name="表 5">
@@ -6452,7 +6454,7 @@
             </a:graphic>
           </p:graphicFrame>
         </mc:Choice>
-        <mc:Fallback>
+        <mc:Fallback xmlns="">
           <p:graphicFrame>
             <p:nvGraphicFramePr>
               <p:cNvPr id="6" name="表 5">
@@ -6522,8 +6524,8 @@
           </p:graphicFrame>
         </mc:Fallback>
       </mc:AlternateContent>
-      <mc:AlternateContent xmlns:mc="http://schemas.openxmlformats.org/markup-compatibility/2006">
-        <mc:Choice xmlns:a14="http://schemas.microsoft.com/office/drawing/2010/main" Requires="a14">
+      <mc:AlternateContent xmlns:mc="http://schemas.openxmlformats.org/markup-compatibility/2006" xmlns:a14="http://schemas.microsoft.com/office/drawing/2010/main">
+        <mc:Choice Requires="a14">
           <p:graphicFrame>
             <p:nvGraphicFramePr>
               <p:cNvPr id="8" name="表 7">
@@ -6601,7 +6603,7 @@
             </a:graphic>
           </p:graphicFrame>
         </mc:Choice>
-        <mc:Fallback>
+        <mc:Fallback xmlns="">
           <p:graphicFrame>
             <p:nvGraphicFramePr>
               <p:cNvPr id="8" name="表 7">
@@ -6946,8 +6948,8 @@
           </a:p>
         </p:txBody>
       </p:sp>
-      <mc:AlternateContent xmlns:mc="http://schemas.openxmlformats.org/markup-compatibility/2006">
-        <mc:Choice xmlns:a14="http://schemas.microsoft.com/office/drawing/2010/main" Requires="a14">
+      <mc:AlternateContent xmlns:mc="http://schemas.openxmlformats.org/markup-compatibility/2006" xmlns:a14="http://schemas.microsoft.com/office/drawing/2010/main">
+        <mc:Choice Requires="a14">
           <p:graphicFrame>
             <p:nvGraphicFramePr>
               <p:cNvPr id="6" name="表 5">
@@ -7044,7 +7046,7 @@
             </a:graphic>
           </p:graphicFrame>
         </mc:Choice>
-        <mc:Fallback>
+        <mc:Fallback xmlns="">
           <p:graphicFrame>
             <p:nvGraphicFramePr>
               <p:cNvPr id="6" name="表 5">
@@ -7114,8 +7116,8 @@
           </p:graphicFrame>
         </mc:Fallback>
       </mc:AlternateContent>
-      <mc:AlternateContent xmlns:mc="http://schemas.openxmlformats.org/markup-compatibility/2006">
-        <mc:Choice xmlns:a14="http://schemas.microsoft.com/office/drawing/2010/main" Requires="a14">
+      <mc:AlternateContent xmlns:mc="http://schemas.openxmlformats.org/markup-compatibility/2006" xmlns:a14="http://schemas.microsoft.com/office/drawing/2010/main">
+        <mc:Choice Requires="a14">
           <p:graphicFrame>
             <p:nvGraphicFramePr>
               <p:cNvPr id="8" name="表 7">
@@ -7193,7 +7195,7 @@
             </a:graphic>
           </p:graphicFrame>
         </mc:Choice>
-        <mc:Fallback>
+        <mc:Fallback xmlns="">
           <p:graphicFrame>
             <p:nvGraphicFramePr>
               <p:cNvPr id="8" name="表 7">
@@ -7450,8 +7452,8 @@
           </a:p>
         </p:txBody>
       </p:sp>
-      <mc:AlternateContent xmlns:mc="http://schemas.openxmlformats.org/markup-compatibility/2006">
-        <mc:Choice xmlns:a14="http://schemas.microsoft.com/office/drawing/2010/main" Requires="a14">
+      <mc:AlternateContent xmlns:mc="http://schemas.openxmlformats.org/markup-compatibility/2006" xmlns:a14="http://schemas.microsoft.com/office/drawing/2010/main">
+        <mc:Choice Requires="a14">
           <p:sp>
             <p:nvSpPr>
               <p:cNvPr id="3" name="コンテンツ プレースホルダー 2">
@@ -7522,7 +7524,7 @@
             </p:txBody>
           </p:sp>
         </mc:Choice>
-        <mc:Fallback>
+        <mc:Fallback xmlns="">
           <p:sp>
             <p:nvSpPr>
               <p:cNvPr id="3" name="コンテンツ プレースホルダー 2">
@@ -7591,8 +7593,8 @@
           </a:p>
         </p:txBody>
       </p:sp>
-      <mc:AlternateContent xmlns:mc="http://schemas.openxmlformats.org/markup-compatibility/2006">
-        <mc:Choice xmlns:a14="http://schemas.microsoft.com/office/drawing/2010/main" Requires="a14">
+      <mc:AlternateContent xmlns:mc="http://schemas.openxmlformats.org/markup-compatibility/2006" xmlns:a14="http://schemas.microsoft.com/office/drawing/2010/main">
+        <mc:Choice Requires="a14">
           <p:graphicFrame>
             <p:nvGraphicFramePr>
               <p:cNvPr id="5" name="表 5">
@@ -7683,7 +7685,7 @@
             </a:graphic>
           </p:graphicFrame>
         </mc:Choice>
-        <mc:Fallback>
+        <mc:Fallback xmlns="">
           <p:graphicFrame>
             <p:nvGraphicFramePr>
               <p:cNvPr id="5" name="表 5">
@@ -7920,8 +7922,8 @@
           </a:p>
         </p:txBody>
       </p:sp>
-      <mc:AlternateContent xmlns:mc="http://schemas.openxmlformats.org/markup-compatibility/2006">
-        <mc:Choice xmlns:a14="http://schemas.microsoft.com/office/drawing/2010/main" Requires="a14">
+      <mc:AlternateContent xmlns:mc="http://schemas.openxmlformats.org/markup-compatibility/2006" xmlns:a14="http://schemas.microsoft.com/office/drawing/2010/main">
+        <mc:Choice Requires="a14">
           <p:graphicFrame>
             <p:nvGraphicFramePr>
               <p:cNvPr id="5" name="表 5">
@@ -7993,7 +7995,7 @@
             </a:graphic>
           </p:graphicFrame>
         </mc:Choice>
-        <mc:Fallback>
+        <mc:Fallback xmlns="">
           <p:graphicFrame>
             <p:nvGraphicFramePr>
               <p:cNvPr id="5" name="表 5">
@@ -8057,8 +8059,8 @@
           </p:graphicFrame>
         </mc:Fallback>
       </mc:AlternateContent>
-      <mc:AlternateContent xmlns:mc="http://schemas.openxmlformats.org/markup-compatibility/2006">
-        <mc:Choice xmlns:a14="http://schemas.microsoft.com/office/drawing/2010/main" Requires="a14">
+      <mc:AlternateContent xmlns:mc="http://schemas.openxmlformats.org/markup-compatibility/2006" xmlns:a14="http://schemas.microsoft.com/office/drawing/2010/main">
+        <mc:Choice Requires="a14">
           <p:graphicFrame>
             <p:nvGraphicFramePr>
               <p:cNvPr id="6" name="表 5">
@@ -8149,7 +8151,7 @@
             </a:graphic>
           </p:graphicFrame>
         </mc:Choice>
-        <mc:Fallback>
+        <mc:Fallback xmlns="">
           <p:graphicFrame>
             <p:nvGraphicFramePr>
               <p:cNvPr id="6" name="表 5">
@@ -8213,8 +8215,8 @@
           </p:graphicFrame>
         </mc:Fallback>
       </mc:AlternateContent>
-      <mc:AlternateContent xmlns:mc="http://schemas.openxmlformats.org/markup-compatibility/2006">
-        <mc:Choice xmlns:a14="http://schemas.microsoft.com/office/drawing/2010/main" Requires="a14">
+      <mc:AlternateContent xmlns:mc="http://schemas.openxmlformats.org/markup-compatibility/2006" xmlns:a14="http://schemas.microsoft.com/office/drawing/2010/main">
+        <mc:Choice Requires="a14">
           <p:graphicFrame>
             <p:nvGraphicFramePr>
               <p:cNvPr id="8" name="表 7">
@@ -8286,7 +8288,7 @@
             </a:graphic>
           </p:graphicFrame>
         </mc:Choice>
-        <mc:Fallback>
+        <mc:Fallback xmlns="">
           <p:graphicFrame>
             <p:nvGraphicFramePr>
               <p:cNvPr id="8" name="表 7">
@@ -8505,8 +8507,8 @@
           </a:p>
         </p:txBody>
       </p:sp>
-      <mc:AlternateContent xmlns:mc="http://schemas.openxmlformats.org/markup-compatibility/2006">
-        <mc:Choice xmlns:a14="http://schemas.microsoft.com/office/drawing/2010/main" Requires="a14">
+      <mc:AlternateContent xmlns:mc="http://schemas.openxmlformats.org/markup-compatibility/2006" xmlns:a14="http://schemas.microsoft.com/office/drawing/2010/main">
+        <mc:Choice Requires="a14">
           <p:graphicFrame>
             <p:nvGraphicFramePr>
               <p:cNvPr id="6" name="表 5">
@@ -8597,7 +8599,7 @@
             </a:graphic>
           </p:graphicFrame>
         </mc:Choice>
-        <mc:Fallback>
+        <mc:Fallback xmlns="">
           <p:graphicFrame>
             <p:nvGraphicFramePr>
               <p:cNvPr id="6" name="表 5">
@@ -8661,8 +8663,8 @@
           </p:graphicFrame>
         </mc:Fallback>
       </mc:AlternateContent>
-      <mc:AlternateContent xmlns:mc="http://schemas.openxmlformats.org/markup-compatibility/2006">
-        <mc:Choice xmlns:a14="http://schemas.microsoft.com/office/drawing/2010/main" Requires="a14">
+      <mc:AlternateContent xmlns:mc="http://schemas.openxmlformats.org/markup-compatibility/2006" xmlns:a14="http://schemas.microsoft.com/office/drawing/2010/main">
+        <mc:Choice Requires="a14">
           <p:graphicFrame>
             <p:nvGraphicFramePr>
               <p:cNvPr id="8" name="表 7">
@@ -8734,7 +8736,7 @@
             </a:graphic>
           </p:graphicFrame>
         </mc:Choice>
-        <mc:Fallback>
+        <mc:Fallback xmlns="">
           <p:graphicFrame>
             <p:nvGraphicFramePr>
               <p:cNvPr id="8" name="表 7">
@@ -11364,8 +11366,8 @@
           </a:p>
         </p:txBody>
       </p:sp>
-      <mc:AlternateContent xmlns:mc="http://schemas.openxmlformats.org/markup-compatibility/2006">
-        <mc:Choice xmlns:a14="http://schemas.microsoft.com/office/drawing/2010/main" Requires="a14">
+      <mc:AlternateContent xmlns:mc="http://schemas.openxmlformats.org/markup-compatibility/2006" xmlns:a14="http://schemas.microsoft.com/office/drawing/2010/main">
+        <mc:Choice Requires="a14">
           <p:sp>
             <p:nvSpPr>
               <p:cNvPr id="3" name="コンテンツ プレースホルダー 2">
@@ -11441,7 +11443,7 @@
             </p:txBody>
           </p:sp>
         </mc:Choice>
-        <mc:Fallback>
+        <mc:Fallback xmlns="">
           <p:sp>
             <p:nvSpPr>
               <p:cNvPr id="3" name="コンテンツ プレースホルダー 2">
@@ -12831,8 +12833,8 @@
           </a:p>
         </p:txBody>
       </p:sp>
-      <mc:AlternateContent xmlns:mc="http://schemas.openxmlformats.org/markup-compatibility/2006">
-        <mc:Choice xmlns:a14="http://schemas.microsoft.com/office/drawing/2010/main" Requires="a14">
+      <mc:AlternateContent xmlns:mc="http://schemas.openxmlformats.org/markup-compatibility/2006" xmlns:a14="http://schemas.microsoft.com/office/drawing/2010/main">
+        <mc:Choice Requires="a14">
           <p:sp>
             <p:nvSpPr>
               <p:cNvPr id="3" name="コンテンツ プレースホルダー 2">
@@ -12908,7 +12910,7 @@
             </p:txBody>
           </p:sp>
         </mc:Choice>
-        <mc:Fallback>
+        <mc:Fallback xmlns="">
           <p:sp>
             <p:nvSpPr>
               <p:cNvPr id="3" name="コンテンツ プレースホルダー 2">
